--- a/papers/oopsla17/figures/bgp-example2.pptx
+++ b/papers/oopsla17/figures/bgp-example2.pptx
@@ -243,7 +243,7 @@
           <a:p>
             <a:fld id="{295E39A9-0D84-BB41-AF08-AE65968AB772}" type="datetimeFigureOut">
               <a:rPr lang="en-US" smtClean="0"/>
-              <a:t>11/16/16</a:t>
+              <a:t>4/18/17</a:t>
             </a:fld>
             <a:endParaRPr lang="en-US"/>
           </a:p>
@@ -413,7 +413,7 @@
           <a:p>
             <a:fld id="{295E39A9-0D84-BB41-AF08-AE65968AB772}" type="datetimeFigureOut">
               <a:rPr lang="en-US" smtClean="0"/>
-              <a:t>11/16/16</a:t>
+              <a:t>4/18/17</a:t>
             </a:fld>
             <a:endParaRPr lang="en-US"/>
           </a:p>
@@ -593,7 +593,7 @@
           <a:p>
             <a:fld id="{295E39A9-0D84-BB41-AF08-AE65968AB772}" type="datetimeFigureOut">
               <a:rPr lang="en-US" smtClean="0"/>
-              <a:t>11/16/16</a:t>
+              <a:t>4/18/17</a:t>
             </a:fld>
             <a:endParaRPr lang="en-US"/>
           </a:p>
@@ -763,7 +763,7 @@
           <a:p>
             <a:fld id="{295E39A9-0D84-BB41-AF08-AE65968AB772}" type="datetimeFigureOut">
               <a:rPr lang="en-US" smtClean="0"/>
-              <a:t>11/16/16</a:t>
+              <a:t>4/18/17</a:t>
             </a:fld>
             <a:endParaRPr lang="en-US"/>
           </a:p>
@@ -1009,7 +1009,7 @@
           <a:p>
             <a:fld id="{295E39A9-0D84-BB41-AF08-AE65968AB772}" type="datetimeFigureOut">
               <a:rPr lang="en-US" smtClean="0"/>
-              <a:t>11/16/16</a:t>
+              <a:t>4/18/17</a:t>
             </a:fld>
             <a:endParaRPr lang="en-US"/>
           </a:p>
@@ -1241,7 +1241,7 @@
           <a:p>
             <a:fld id="{295E39A9-0D84-BB41-AF08-AE65968AB772}" type="datetimeFigureOut">
               <a:rPr lang="en-US" smtClean="0"/>
-              <a:t>11/16/16</a:t>
+              <a:t>4/18/17</a:t>
             </a:fld>
             <a:endParaRPr lang="en-US"/>
           </a:p>
@@ -1608,7 +1608,7 @@
           <a:p>
             <a:fld id="{295E39A9-0D84-BB41-AF08-AE65968AB772}" type="datetimeFigureOut">
               <a:rPr lang="en-US" smtClean="0"/>
-              <a:t>11/16/16</a:t>
+              <a:t>4/18/17</a:t>
             </a:fld>
             <a:endParaRPr lang="en-US"/>
           </a:p>
@@ -1726,7 +1726,7 @@
           <a:p>
             <a:fld id="{295E39A9-0D84-BB41-AF08-AE65968AB772}" type="datetimeFigureOut">
               <a:rPr lang="en-US" smtClean="0"/>
-              <a:t>11/16/16</a:t>
+              <a:t>4/18/17</a:t>
             </a:fld>
             <a:endParaRPr lang="en-US"/>
           </a:p>
@@ -1821,7 +1821,7 @@
           <a:p>
             <a:fld id="{295E39A9-0D84-BB41-AF08-AE65968AB772}" type="datetimeFigureOut">
               <a:rPr lang="en-US" smtClean="0"/>
-              <a:t>11/16/16</a:t>
+              <a:t>4/18/17</a:t>
             </a:fld>
             <a:endParaRPr lang="en-US"/>
           </a:p>
@@ -2098,7 +2098,7 @@
           <a:p>
             <a:fld id="{295E39A9-0D84-BB41-AF08-AE65968AB772}" type="datetimeFigureOut">
               <a:rPr lang="en-US" smtClean="0"/>
-              <a:t>11/16/16</a:t>
+              <a:t>4/18/17</a:t>
             </a:fld>
             <a:endParaRPr lang="en-US"/>
           </a:p>
@@ -2351,7 +2351,7 @@
           <a:p>
             <a:fld id="{295E39A9-0D84-BB41-AF08-AE65968AB772}" type="datetimeFigureOut">
               <a:rPr lang="en-US" smtClean="0"/>
-              <a:t>11/16/16</a:t>
+              <a:t>4/18/17</a:t>
             </a:fld>
             <a:endParaRPr lang="en-US"/>
           </a:p>
@@ -2564,7 +2564,7 @@
           <a:p>
             <a:fld id="{295E39A9-0D84-BB41-AF08-AE65968AB772}" type="datetimeFigureOut">
               <a:rPr lang="en-US" smtClean="0"/>
-              <a:t>11/16/16</a:t>
+              <a:t>4/18/17</a:t>
             </a:fld>
             <a:endParaRPr lang="en-US"/>
           </a:p>
@@ -3660,55 +3660,14 @@
       </p:cxnSp>
       <p:sp>
         <p:nvSpPr>
-          <p:cNvPr id="24" name="Oval 23"/>
-          <p:cNvSpPr/>
-          <p:nvPr/>
-        </p:nvSpPr>
-        <p:spPr>
-          <a:xfrm>
-            <a:off x="6806161" y="819807"/>
-            <a:ext cx="2495938" cy="1976586"/>
-          </a:xfrm>
-          <a:prstGeom prst="ellipse">
-            <a:avLst/>
-          </a:prstGeom>
-          <a:solidFill>
-            <a:srgbClr val="E5F4FF"/>
-          </a:solidFill>
-        </p:spPr>
-        <p:style>
-          <a:lnRef idx="1">
-            <a:schemeClr val="accent1"/>
-          </a:lnRef>
-          <a:fillRef idx="2">
-            <a:schemeClr val="accent1"/>
-          </a:fillRef>
-          <a:effectRef idx="1">
-            <a:schemeClr val="accent1"/>
-          </a:effectRef>
-          <a:fontRef idx="minor">
-            <a:schemeClr val="dk1"/>
-          </a:fontRef>
-        </p:style>
-        <p:txBody>
-          <a:bodyPr rtlCol="0" anchor="ctr"/>
-          <a:lstStyle/>
-          <a:p>
-            <a:pPr algn="ctr"/>
-            <a:endParaRPr lang="en-US"/>
-          </a:p>
-        </p:txBody>
-      </p:sp>
-      <p:sp>
-        <p:nvSpPr>
           <p:cNvPr id="25" name="Oval 24"/>
           <p:cNvSpPr/>
           <p:nvPr/>
         </p:nvSpPr>
         <p:spPr>
-          <a:xfrm>
-            <a:off x="7791965" y="3163133"/>
-            <a:ext cx="3142115" cy="2579334"/>
+          <a:xfrm rot="20267241">
+            <a:off x="7056251" y="535191"/>
+            <a:ext cx="3614462" cy="5131468"/>
           </a:xfrm>
           <a:prstGeom prst="ellipse">
             <a:avLst/>
@@ -4542,22 +4501,22 @@
               <a:t>D</a:t>
             </a:r>
             <a:r>
-              <a:rPr lang="en-US" sz="3200" dirty="0" smtClean="0"/>
+              <a:rPr lang="en-US" sz="3200" baseline="-25000" dirty="0" smtClean="0"/>
               <a:t>0</a:t>
             </a:r>
-            <a:endParaRPr lang="en-US" sz="3200" dirty="0"/>
-          </a:p>
-        </p:txBody>
-      </p:sp>
-      <p:sp>
-        <p:nvSpPr>
-          <p:cNvPr id="44" name="TextBox 43"/>
+            <a:endParaRPr lang="en-US" sz="3200" baseline="-25000" dirty="0"/>
+          </a:p>
+        </p:txBody>
+      </p:sp>
+      <p:sp>
+        <p:nvSpPr>
+          <p:cNvPr id="45" name="TextBox 44"/>
           <p:cNvSpPr txBox="1"/>
           <p:nvPr/>
         </p:nvSpPr>
         <p:spPr>
           <a:xfrm>
-            <a:off x="7884483" y="1026785"/>
+            <a:off x="8852156" y="1147008"/>
             <a:ext cx="975095" cy="584775"/>
           </a:xfrm>
           <a:prstGeom prst="rect">
@@ -4576,44 +4535,10 @@
               <a:t>D</a:t>
             </a:r>
             <a:r>
-              <a:rPr lang="en-US" sz="3200" dirty="0" smtClean="0"/>
-              <a:t>2</a:t>
-            </a:r>
-            <a:endParaRPr lang="en-US" sz="3200" dirty="0"/>
-          </a:p>
-        </p:txBody>
-      </p:sp>
-      <p:sp>
-        <p:nvSpPr>
-          <p:cNvPr id="45" name="TextBox 44"/>
-          <p:cNvSpPr txBox="1"/>
-          <p:nvPr/>
-        </p:nvSpPr>
-        <p:spPr>
-          <a:xfrm>
-            <a:off x="8721710" y="5056171"/>
-            <a:ext cx="975095" cy="584775"/>
-          </a:xfrm>
-          <a:prstGeom prst="rect">
-            <a:avLst/>
-          </a:prstGeom>
-          <a:noFill/>
-        </p:spPr>
-        <p:txBody>
-          <a:bodyPr wrap="square" rtlCol="0">
-            <a:spAutoFit/>
-          </a:bodyPr>
-          <a:lstStyle/>
-          <a:p>
-            <a:r>
-              <a:rPr lang="en-US" sz="3200" dirty="0"/>
-              <a:t>D</a:t>
-            </a:r>
-            <a:r>
-              <a:rPr lang="en-US" sz="3200" dirty="0" smtClean="0"/>
+              <a:rPr lang="en-US" sz="3200" baseline="-25000" dirty="0" smtClean="0"/>
               <a:t>1</a:t>
             </a:r>
-            <a:endParaRPr lang="en-US" sz="3200" dirty="0"/>
+            <a:endParaRPr lang="en-US" sz="3200" baseline="-25000" dirty="0"/>
           </a:p>
         </p:txBody>
       </p:sp>
@@ -4660,14 +4585,14 @@
           <p:cNvPr id="50" name="Straight Connector 49"/>
           <p:cNvCxnSpPr>
             <a:stCxn id="39" idx="5"/>
-            <a:endCxn id="25" idx="5"/>
+            <a:endCxn id="30" idx="0"/>
           </p:cNvCxnSpPr>
           <p:nvPr/>
         </p:nvCxnSpPr>
         <p:spPr>
           <a:xfrm>
             <a:off x="10085273" y="4824608"/>
-            <a:ext cx="388655" cy="540124"/>
+            <a:ext cx="449914" cy="518346"/>
           </a:xfrm>
           <a:prstGeom prst="line">
             <a:avLst/>
@@ -5040,7 +4965,11 @@
           <a:p>
             <a:r>
               <a:rPr lang="en-US" sz="3200" i="1" dirty="0" smtClean="0"/>
-              <a:t>= 100</a:t>
+              <a:t>= </a:t>
+            </a:r>
+            <a:r>
+              <a:rPr lang="en-US" sz="3200" i="1" dirty="0" smtClean="0"/>
+              <a:t>200</a:t>
             </a:r>
             <a:endParaRPr lang="en-US" sz="3200" i="1" dirty="0"/>
           </a:p>
@@ -5233,7 +5162,7 @@
             </a:r>
             <a:r>
               <a:rPr lang="en-US" sz="3200" i="1" dirty="0"/>
-              <a:t>2</a:t>
+              <a:t>3</a:t>
             </a:r>
             <a:r>
               <a:rPr lang="en-US" sz="3200" i="1" dirty="0" smtClean="0"/>
